--- a/Makale/Morfoloji/Morfoloji.pptx
+++ b/Makale/Morfoloji/Morfoloji.pptx
@@ -5,20 +5,21 @@
     <p:sldMasterId id="2147483648" r:id="rId1"/>
   </p:sldMasterIdLst>
   <p:notesMasterIdLst>
-    <p:notesMasterId r:id="rId13"/>
+    <p:notesMasterId r:id="rId14"/>
   </p:notesMasterIdLst>
   <p:sldIdLst>
-    <p:sldId id="256" r:id="rId2"/>
-    <p:sldId id="257" r:id="rId3"/>
-    <p:sldId id="258" r:id="rId4"/>
-    <p:sldId id="259" r:id="rId5"/>
-    <p:sldId id="260" r:id="rId6"/>
-    <p:sldId id="261" r:id="rId7"/>
-    <p:sldId id="262" r:id="rId8"/>
-    <p:sldId id="263" r:id="rId9"/>
-    <p:sldId id="264" r:id="rId10"/>
-    <p:sldId id="265" r:id="rId11"/>
-    <p:sldId id="266" r:id="rId12"/>
+    <p:sldId id="267" r:id="rId2"/>
+    <p:sldId id="256" r:id="rId3"/>
+    <p:sldId id="257" r:id="rId4"/>
+    <p:sldId id="258" r:id="rId5"/>
+    <p:sldId id="259" r:id="rId6"/>
+    <p:sldId id="260" r:id="rId7"/>
+    <p:sldId id="261" r:id="rId8"/>
+    <p:sldId id="262" r:id="rId9"/>
+    <p:sldId id="263" r:id="rId10"/>
+    <p:sldId id="264" r:id="rId11"/>
+    <p:sldId id="265" r:id="rId12"/>
+    <p:sldId id="266" r:id="rId13"/>
   </p:sldIdLst>
   <p:sldSz cx="12192000" cy="6858000"/>
   <p:notesSz cx="6858000" cy="9144000"/>
@@ -117,6 +118,11 @@
       </a:defRPr>
     </a:lvl9pPr>
   </p:defaultTextStyle>
+  <p:extLst>
+    <p:ext uri="{EFAFB233-063F-42B5-8137-9DF3F51BA10A}">
+      <p15:sldGuideLst xmlns:p15="http://schemas.microsoft.com/office/powerpoint/2012/main"/>
+    </p:ext>
+  </p:extLst>
 </p:presentation>
 </file>
 
@@ -202,7 +208,7 @@
           <a:p>
             <a:fld id="{E186D36D-5D68-4D80-83BA-47CE1511ADD1}" type="datetimeFigureOut">
               <a:rPr lang="tr-TR" smtClean="0"/>
-              <a:t>13.12.2022</a:t>
+              <a:t>15.12.2022</a:t>
             </a:fld>
             <a:endParaRPr lang="tr-TR"/>
           </a:p>
@@ -534,7 +540,7 @@
           <a:p>
             <a:fld id="{305FAF64-1690-4FFA-A4B6-3178A905BEDC}" type="slidenum">
               <a:rPr lang="tr-TR" smtClean="0"/>
-              <a:t>10</a:t>
+              <a:t>11</a:t>
             </a:fld>
             <a:endParaRPr lang="tr-TR"/>
           </a:p>
@@ -700,7 +706,7 @@
           <a:p>
             <a:fld id="{3B78D2CA-88C8-409F-89A2-87D537175EFE}" type="datetimeFigureOut">
               <a:rPr lang="tr-TR" smtClean="0"/>
-              <a:t>12.12.2022</a:t>
+              <a:t>15.12.2022</a:t>
             </a:fld>
             <a:endParaRPr lang="tr-TR"/>
           </a:p>
@@ -898,7 +904,7 @@
           <a:p>
             <a:fld id="{3B78D2CA-88C8-409F-89A2-87D537175EFE}" type="datetimeFigureOut">
               <a:rPr lang="tr-TR" smtClean="0"/>
-              <a:t>12.12.2022</a:t>
+              <a:t>15.12.2022</a:t>
             </a:fld>
             <a:endParaRPr lang="tr-TR"/>
           </a:p>
@@ -1106,7 +1112,7 @@
           <a:p>
             <a:fld id="{3B78D2CA-88C8-409F-89A2-87D537175EFE}" type="datetimeFigureOut">
               <a:rPr lang="tr-TR" smtClean="0"/>
-              <a:t>12.12.2022</a:t>
+              <a:t>15.12.2022</a:t>
             </a:fld>
             <a:endParaRPr lang="tr-TR"/>
           </a:p>
@@ -1304,7 +1310,7 @@
           <a:p>
             <a:fld id="{3B78D2CA-88C8-409F-89A2-87D537175EFE}" type="datetimeFigureOut">
               <a:rPr lang="tr-TR" smtClean="0"/>
-              <a:t>12.12.2022</a:t>
+              <a:t>15.12.2022</a:t>
             </a:fld>
             <a:endParaRPr lang="tr-TR"/>
           </a:p>
@@ -1579,7 +1585,7 @@
           <a:p>
             <a:fld id="{3B78D2CA-88C8-409F-89A2-87D537175EFE}" type="datetimeFigureOut">
               <a:rPr lang="tr-TR" smtClean="0"/>
-              <a:t>12.12.2022</a:t>
+              <a:t>15.12.2022</a:t>
             </a:fld>
             <a:endParaRPr lang="tr-TR"/>
           </a:p>
@@ -1844,7 +1850,7 @@
           <a:p>
             <a:fld id="{3B78D2CA-88C8-409F-89A2-87D537175EFE}" type="datetimeFigureOut">
               <a:rPr lang="tr-TR" smtClean="0"/>
-              <a:t>12.12.2022</a:t>
+              <a:t>15.12.2022</a:t>
             </a:fld>
             <a:endParaRPr lang="tr-TR"/>
           </a:p>
@@ -2256,7 +2262,7 @@
           <a:p>
             <a:fld id="{3B78D2CA-88C8-409F-89A2-87D537175EFE}" type="datetimeFigureOut">
               <a:rPr lang="tr-TR" smtClean="0"/>
-              <a:t>12.12.2022</a:t>
+              <a:t>15.12.2022</a:t>
             </a:fld>
             <a:endParaRPr lang="tr-TR"/>
           </a:p>
@@ -2397,7 +2403,7 @@
           <a:p>
             <a:fld id="{3B78D2CA-88C8-409F-89A2-87D537175EFE}" type="datetimeFigureOut">
               <a:rPr lang="tr-TR" smtClean="0"/>
-              <a:t>12.12.2022</a:t>
+              <a:t>15.12.2022</a:t>
             </a:fld>
             <a:endParaRPr lang="tr-TR"/>
           </a:p>
@@ -2510,7 +2516,7 @@
           <a:p>
             <a:fld id="{3B78D2CA-88C8-409F-89A2-87D537175EFE}" type="datetimeFigureOut">
               <a:rPr lang="tr-TR" smtClean="0"/>
-              <a:t>12.12.2022</a:t>
+              <a:t>15.12.2022</a:t>
             </a:fld>
             <a:endParaRPr lang="tr-TR"/>
           </a:p>
@@ -2821,7 +2827,7 @@
           <a:p>
             <a:fld id="{3B78D2CA-88C8-409F-89A2-87D537175EFE}" type="datetimeFigureOut">
               <a:rPr lang="tr-TR" smtClean="0"/>
-              <a:t>12.12.2022</a:t>
+              <a:t>15.12.2022</a:t>
             </a:fld>
             <a:endParaRPr lang="tr-TR"/>
           </a:p>
@@ -3109,7 +3115,7 @@
           <a:p>
             <a:fld id="{3B78D2CA-88C8-409F-89A2-87D537175EFE}" type="datetimeFigureOut">
               <a:rPr lang="tr-TR" smtClean="0"/>
-              <a:t>12.12.2022</a:t>
+              <a:t>15.12.2022</a:t>
             </a:fld>
             <a:endParaRPr lang="tr-TR"/>
           </a:p>
@@ -3350,7 +3356,7 @@
           <a:p>
             <a:fld id="{3B78D2CA-88C8-409F-89A2-87D537175EFE}" type="datetimeFigureOut">
               <a:rPr lang="tr-TR" smtClean="0"/>
-              <a:t>12.12.2022</a:t>
+              <a:t>15.12.2022</a:t>
             </a:fld>
             <a:endParaRPr lang="tr-TR"/>
           </a:p>
@@ -3769,414 +3775,80 @@
       </p:grpSpPr>
       <p:sp>
         <p:nvSpPr>
-          <p:cNvPr id="2" name="Başlık 1">
-            <a:extLst>
-              <a:ext uri="{FF2B5EF4-FFF2-40B4-BE49-F238E27FC236}">
-                <a16:creationId xmlns:a16="http://schemas.microsoft.com/office/drawing/2014/main" id="{B78E01EB-9AA7-B8FB-35A8-09BE8325278F}"/>
-              </a:ext>
-            </a:extLst>
-          </p:cNvPr>
-          <p:cNvSpPr>
-            <a:spLocks noGrp="1"/>
-          </p:cNvSpPr>
-          <p:nvPr>
-            <p:ph type="ctrTitle"/>
+          <p:cNvPr id="3" name="İçerik Yer Tutucusu 2">
+            <a:extLst>
+              <a:ext uri="{FF2B5EF4-FFF2-40B4-BE49-F238E27FC236}">
+                <a16:creationId xmlns:a16="http://schemas.microsoft.com/office/drawing/2014/main" id="{DB8B060B-C4DD-6D24-0E5E-28C666004F9D}"/>
+              </a:ext>
+            </a:extLst>
+          </p:cNvPr>
+          <p:cNvSpPr>
+            <a:spLocks noGrp="1"/>
+          </p:cNvSpPr>
+          <p:nvPr>
+            <p:ph idx="1"/>
           </p:nvPr>
         </p:nvSpPr>
         <p:spPr>
           <a:xfrm>
-            <a:off x="1524000" y="434466"/>
-            <a:ext cx="9144000" cy="714826"/>
+            <a:off x="812800" y="526473"/>
+            <a:ext cx="10541000" cy="5650490"/>
           </a:xfrm>
         </p:spPr>
         <p:txBody>
-          <a:bodyPr>
-            <a:normAutofit/>
-          </a:bodyPr>
+          <a:bodyPr/>
           <a:lstStyle/>
           <a:p>
-            <a:pPr algn="l"/>
-            <a:r>
-              <a:rPr lang="tr-TR" sz="4400" dirty="0"/>
-              <a:t>GİRİŞ</a:t>
-            </a:r>
-          </a:p>
-        </p:txBody>
-      </p:sp>
-      <p:sp>
-        <p:nvSpPr>
-          <p:cNvPr id="3" name="Alt Başlık 2">
-            <a:extLst>
-              <a:ext uri="{FF2B5EF4-FFF2-40B4-BE49-F238E27FC236}">
-                <a16:creationId xmlns:a16="http://schemas.microsoft.com/office/drawing/2014/main" id="{AA122DCB-C5B0-6868-A34B-3F45B33ECFE7}"/>
-              </a:ext>
-            </a:extLst>
-          </p:cNvPr>
-          <p:cNvSpPr>
-            <a:spLocks noGrp="1"/>
-          </p:cNvSpPr>
-          <p:nvPr>
-            <p:ph type="subTitle" idx="1"/>
-          </p:nvPr>
-        </p:nvSpPr>
-        <p:spPr>
-          <a:xfrm>
-            <a:off x="1524000" y="1333850"/>
-            <a:ext cx="9264242" cy="4848836"/>
-          </a:xfrm>
-        </p:spPr>
-        <p:txBody>
-          <a:bodyPr>
-            <a:normAutofit fontScale="77500" lnSpcReduction="20000"/>
-          </a:bodyPr>
-          <a:lstStyle/>
-          <a:p>
-            <a:pPr algn="l"/>
-            <a:r>
-              <a:rPr lang="tr-TR" b="0" i="0" dirty="0">
-                <a:solidFill>
-                  <a:srgbClr val="000000"/>
-                </a:solidFill>
-                <a:effectLst/>
-                <a:latin typeface="+mj-lt"/>
-              </a:rPr>
-              <a:t>Diyabete bağlı retina bozuklukları kişilerde körlüğe sebep olan ve Diyabetik Retinopati olarak adlandırılan en önemli hastalıklardan biridir. DR hastalığının erken ve doğru teşhis edilmesi için retina damarlarının doğru bir şekilde bölütlenmesi gerekir. Literatürde retina damar bölütleme işlemi işin geleneksel yöntemler ve son zamanlarda popüler hale gelen derin öğrenme yöntemleri önerilmiştir. Derin öğrenme yöntemleri ile retina damar bölütleme sistemlerinin geliştirilmesi daha sağlam sonuçlar verir ancak donanım bağlılığı gerektirir.</a:t>
-            </a:r>
-            <a:br>
-              <a:rPr lang="tr-TR" dirty="0">
-                <a:latin typeface="+mj-lt"/>
-              </a:rPr>
-            </a:br>
-            <a:r>
-              <a:rPr lang="tr-TR" b="0" i="0" dirty="0">
-                <a:solidFill>
-                  <a:srgbClr val="000000"/>
-                </a:solidFill>
-                <a:effectLst/>
-                <a:latin typeface="+mj-lt"/>
-              </a:rPr>
-              <a:t>Ancak geleneksel yöntemler olarak adlandırılan denetimli/denetimsiz öğrenme yöntemleri , morfolojik yöntemler , uyum süzgeci gibi yöntemler daha hızlı ve daha anlaşılabilir yöntemlerdir. </a:t>
-            </a:r>
-            <a:r>
-              <a:rPr lang="tr-TR" b="0" i="0" dirty="0" err="1">
-                <a:solidFill>
-                  <a:srgbClr val="000000"/>
-                </a:solidFill>
-                <a:effectLst/>
-                <a:latin typeface="+mj-lt"/>
-              </a:rPr>
-              <a:t>Soares</a:t>
-            </a:r>
-            <a:r>
-              <a:rPr lang="tr-TR" b="0" i="0" dirty="0">
-                <a:solidFill>
-                  <a:srgbClr val="000000"/>
-                </a:solidFill>
-                <a:effectLst/>
-                <a:latin typeface="+mj-lt"/>
-              </a:rPr>
-              <a:t> vd. tarafından retina görüntülerinin piksel parlaklık değerleri üzerinde faklı ölçeklerde </a:t>
-            </a:r>
-            <a:r>
-              <a:rPr lang="tr-TR" b="0" i="0" dirty="0" err="1">
-                <a:solidFill>
-                  <a:srgbClr val="000000"/>
-                </a:solidFill>
-                <a:effectLst/>
-                <a:latin typeface="+mj-lt"/>
-              </a:rPr>
-              <a:t>Gabor</a:t>
-            </a:r>
-            <a:r>
-              <a:rPr lang="tr-TR" b="0" i="0" dirty="0">
-                <a:solidFill>
-                  <a:srgbClr val="000000"/>
-                </a:solidFill>
-                <a:effectLst/>
-                <a:latin typeface="+mj-lt"/>
-              </a:rPr>
-              <a:t>-Dalgacık dönüşümü uygulanmıştır. Daha sonra tüm görüntüye </a:t>
-            </a:r>
-            <a:r>
-              <a:rPr lang="tr-TR" b="0" i="0" dirty="0" err="1">
-                <a:solidFill>
-                  <a:srgbClr val="000000"/>
-                </a:solidFill>
-                <a:effectLst/>
-                <a:latin typeface="+mj-lt"/>
-              </a:rPr>
-              <a:t>Bayes</a:t>
-            </a:r>
-            <a:r>
-              <a:rPr lang="tr-TR" b="0" i="0" dirty="0">
-                <a:solidFill>
-                  <a:srgbClr val="000000"/>
-                </a:solidFill>
-                <a:effectLst/>
-                <a:latin typeface="+mj-lt"/>
-              </a:rPr>
-              <a:t> Sınıflandırıcı uygulanarak </a:t>
-            </a:r>
-            <a:r>
-              <a:rPr lang="tr-TR" b="0" i="0" dirty="0" err="1">
-                <a:solidFill>
-                  <a:srgbClr val="000000"/>
-                </a:solidFill>
-                <a:effectLst/>
-                <a:latin typeface="+mj-lt"/>
-              </a:rPr>
-              <a:t>fundus</a:t>
-            </a:r>
-            <a:r>
-              <a:rPr lang="tr-TR" b="0" i="0" dirty="0">
-                <a:solidFill>
-                  <a:srgbClr val="000000"/>
-                </a:solidFill>
-                <a:effectLst/>
-                <a:latin typeface="+mj-lt"/>
-              </a:rPr>
-              <a:t> görüntüleri damar ya da damar olmayan bölgelere ayrılmıştır. </a:t>
-            </a:r>
-            <a:r>
-              <a:rPr lang="tr-TR" b="0" i="0" dirty="0" err="1">
-                <a:solidFill>
-                  <a:srgbClr val="000000"/>
-                </a:solidFill>
-                <a:effectLst/>
-                <a:latin typeface="+mj-lt"/>
-              </a:rPr>
-              <a:t>Niemeijer</a:t>
-            </a:r>
-            <a:r>
-              <a:rPr lang="tr-TR" b="0" i="0" dirty="0">
-                <a:solidFill>
-                  <a:srgbClr val="000000"/>
-                </a:solidFill>
-                <a:effectLst/>
-                <a:latin typeface="+mj-lt"/>
-              </a:rPr>
-              <a:t> vd</a:t>
-            </a:r>
-            <a:r>
-              <a:rPr lang="tr-TR" b="0" i="0" dirty="0">
-                <a:solidFill>
-                  <a:srgbClr val="333333"/>
-                </a:solidFill>
-                <a:effectLst/>
-                <a:latin typeface="+mj-lt"/>
-              </a:rPr>
-              <a:t>.</a:t>
-            </a:r>
-            <a:r>
-              <a:rPr lang="tr-TR" b="0" i="0" dirty="0">
-                <a:solidFill>
-                  <a:srgbClr val="000000"/>
-                </a:solidFill>
-                <a:effectLst/>
-                <a:latin typeface="+mj-lt"/>
-              </a:rPr>
-              <a:t> piksel sınıflandırma yöntemini önermişlerdir</a:t>
-            </a:r>
-            <a:r>
-              <a:rPr lang="tr-TR" b="0" i="0" dirty="0">
-                <a:solidFill>
-                  <a:srgbClr val="333333"/>
-                </a:solidFill>
-                <a:effectLst/>
-                <a:latin typeface="+mj-lt"/>
-              </a:rPr>
-              <a:t>.</a:t>
-            </a:r>
-            <a:r>
-              <a:rPr lang="tr-TR" b="0" i="0" dirty="0">
-                <a:solidFill>
-                  <a:srgbClr val="000000"/>
-                </a:solidFill>
-                <a:effectLst/>
-                <a:latin typeface="+mj-lt"/>
-              </a:rPr>
-              <a:t> Diego </a:t>
-            </a:r>
-            <a:r>
-              <a:rPr lang="tr-TR" b="0" i="0" dirty="0" err="1">
-                <a:solidFill>
-                  <a:srgbClr val="000000"/>
-                </a:solidFill>
-                <a:effectLst/>
-                <a:latin typeface="+mj-lt"/>
-              </a:rPr>
-              <a:t>Marín</a:t>
-            </a:r>
-            <a:r>
-              <a:rPr lang="tr-TR" b="0" i="0" dirty="0">
-                <a:solidFill>
-                  <a:srgbClr val="000000"/>
-                </a:solidFill>
-                <a:effectLst/>
-                <a:latin typeface="+mj-lt"/>
-              </a:rPr>
-              <a:t> vd. tarafından </a:t>
-            </a:r>
-            <a:r>
-              <a:rPr lang="tr-TR" b="0" i="0" dirty="0" err="1">
-                <a:solidFill>
-                  <a:srgbClr val="000000"/>
-                </a:solidFill>
-                <a:effectLst/>
-                <a:latin typeface="+mj-lt"/>
-              </a:rPr>
-              <a:t>fundus</a:t>
-            </a:r>
-            <a:r>
-              <a:rPr lang="tr-TR" b="0" i="0" dirty="0">
-                <a:solidFill>
-                  <a:srgbClr val="000000"/>
-                </a:solidFill>
-                <a:effectLst/>
-                <a:latin typeface="+mj-lt"/>
-              </a:rPr>
-              <a:t> görüntüsündeki her pikselden yedi boyutlu bir özellik vektörü çıkarılmıştır.</a:t>
-            </a:r>
-            <a:br>
-              <a:rPr lang="tr-TR" dirty="0">
-                <a:latin typeface="+mj-lt"/>
-              </a:rPr>
-            </a:br>
-            <a:r>
-              <a:rPr lang="tr-TR" b="0" i="0" dirty="0">
-                <a:solidFill>
-                  <a:srgbClr val="000000"/>
-                </a:solidFill>
-                <a:effectLst/>
-                <a:latin typeface="+mj-lt"/>
-              </a:rPr>
-              <a:t>Çıkarılan özellikler sinir ağı kullanılarak sınıflandırılmıştır.</a:t>
-            </a:r>
-            <a:br>
-              <a:rPr lang="tr-TR" dirty="0">
-                <a:latin typeface="+mj-lt"/>
-              </a:rPr>
-            </a:br>
-            <a:r>
-              <a:rPr lang="tr-TR" b="0" i="0" dirty="0">
-                <a:solidFill>
-                  <a:srgbClr val="000000"/>
-                </a:solidFill>
-                <a:effectLst/>
-                <a:latin typeface="+mj-lt"/>
-              </a:rPr>
-              <a:t>Sınıflandırma aşamasında öncelikle tespit edilen piksellerin boşlukları doldurulmuş, daha sonra hatalı tespit edilen damar pikselleri damar olmayan olarak yeniden sınıflandırılmıştır. M. Elena Martinez-Perez vd. tarafından </a:t>
-            </a:r>
-            <a:r>
-              <a:rPr lang="tr-TR" b="0" i="0" dirty="0" err="1">
-                <a:solidFill>
-                  <a:srgbClr val="000000"/>
-                </a:solidFill>
-                <a:effectLst/>
-                <a:latin typeface="+mj-lt"/>
-              </a:rPr>
-              <a:t>hessian</a:t>
-            </a:r>
-            <a:r>
-              <a:rPr lang="tr-TR" b="0" i="0" dirty="0">
-                <a:solidFill>
-                  <a:srgbClr val="000000"/>
-                </a:solidFill>
-                <a:effectLst/>
-                <a:latin typeface="+mj-lt"/>
-              </a:rPr>
-              <a:t> matrisinin özdeğer analizine dayanan bir çizgi geliştirme filtresi önerilmiştir. Daha sonra gradyan büyüklüğü ve temel eğrilik kullanılarak özellik çıkarılmıştır. </a:t>
-            </a:r>
-            <a:r>
-              <a:rPr lang="tr-TR" b="0" i="0" dirty="0" err="1">
-                <a:solidFill>
-                  <a:srgbClr val="000000"/>
-                </a:solidFill>
-                <a:effectLst/>
-                <a:latin typeface="+mj-lt"/>
-              </a:rPr>
-              <a:t>Sven</a:t>
-            </a:r>
-            <a:r>
-              <a:rPr lang="tr-TR" b="0" i="0" dirty="0">
-                <a:solidFill>
-                  <a:srgbClr val="000000"/>
-                </a:solidFill>
-                <a:effectLst/>
-                <a:latin typeface="+mj-lt"/>
-              </a:rPr>
+            <a:pPr marL="0" indent="0">
+              <a:buNone/>
+            </a:pPr>
+            <a:r>
+              <a:rPr lang="tr-TR" sz="5400" dirty="0"/>
+              <a:t>			MORFOLOJİ</a:t>
+            </a:r>
+          </a:p>
+          <a:p>
+            <a:pPr marL="0" indent="0">
+              <a:buNone/>
+            </a:pPr>
+            <a:endParaRPr lang="tr-TR" sz="5400" dirty="0"/>
+          </a:p>
+          <a:p>
+            <a:pPr marL="0" indent="0">
+              <a:buNone/>
+            </a:pPr>
+            <a:r>
+              <a:rPr lang="tr-TR" sz="5400" dirty="0"/>
+              <a:t> #02205076009 BATUHAN ELBAŞ   </a:t>
+            </a:r>
+          </a:p>
+          <a:p>
+            <a:pPr marL="0" indent="0">
+              <a:buNone/>
+            </a:pPr>
+            <a:r>
+              <a:rPr lang="tr-TR" sz="5400" dirty="0"/>
               <a:t> </a:t>
             </a:r>
-            <a:r>
-              <a:rPr lang="tr-TR" b="0" i="0" dirty="0" err="1">
-                <a:solidFill>
-                  <a:srgbClr val="000000"/>
-                </a:solidFill>
-                <a:effectLst/>
-                <a:latin typeface="+mj-lt"/>
-              </a:rPr>
-              <a:t>Holm</a:t>
-            </a:r>
-            <a:r>
-              <a:rPr lang="tr-TR" b="0" i="0" dirty="0">
-                <a:solidFill>
-                  <a:srgbClr val="000000"/>
-                </a:solidFill>
-                <a:effectLst/>
-                <a:latin typeface="+mj-lt"/>
-              </a:rPr>
-              <a:t> vd. tarafından damar bölütleme için iki paralel yöntem önerilmiştir. Bu yöntemlerden ilki sadece </a:t>
-            </a:r>
-            <a:r>
-              <a:rPr lang="tr-TR" b="0" i="0" dirty="0" err="1">
-                <a:solidFill>
-                  <a:srgbClr val="000000"/>
-                </a:solidFill>
-                <a:effectLst/>
-                <a:latin typeface="+mj-lt"/>
-              </a:rPr>
-              <a:t>fundus</a:t>
-            </a:r>
-            <a:r>
-              <a:rPr lang="tr-TR" b="0" i="0" dirty="0">
-                <a:solidFill>
-                  <a:srgbClr val="000000"/>
-                </a:solidFill>
-                <a:effectLst/>
-                <a:latin typeface="+mj-lt"/>
-              </a:rPr>
-              <a:t> görüntünün piksel yoğunluğunu kullanarak damar ve damar olmayan pikselleri bölütlere ayırmaktadır. İkinci yöntem ise tamamen damar yoğunluğunu kullanarak </a:t>
-            </a:r>
-            <a:r>
-              <a:rPr lang="tr-TR" b="0" i="0" dirty="0" err="1">
-                <a:solidFill>
-                  <a:srgbClr val="000000"/>
-                </a:solidFill>
-                <a:effectLst/>
-                <a:latin typeface="+mj-lt"/>
-              </a:rPr>
-              <a:t>fundus</a:t>
-            </a:r>
-            <a:r>
-              <a:rPr lang="tr-TR" b="0" i="0" dirty="0">
-                <a:solidFill>
-                  <a:srgbClr val="000000"/>
-                </a:solidFill>
-                <a:effectLst/>
-                <a:latin typeface="+mj-lt"/>
-              </a:rPr>
-              <a:t> görüntülerinde yerel gürültüyü azaltıp damar bölütlemeyi sağlayan birkaç adımdan oluşmaktadır.</a:t>
-            </a:r>
-            <a:endParaRPr lang="tr-TR" dirty="0">
-              <a:latin typeface="+mj-lt"/>
-            </a:endParaRPr>
+          </a:p>
+          <a:p>
+            <a:pPr marL="0" indent="0">
+              <a:buNone/>
+            </a:pPr>
+            <a:r>
+              <a:rPr lang="tr-TR" sz="5400" dirty="0"/>
+              <a:t>		3.SINIF 2.OGRETİM</a:t>
+            </a:r>
+          </a:p>
+          <a:p>
+            <a:endParaRPr lang="tr-TR" dirty="0"/>
           </a:p>
         </p:txBody>
       </p:sp>
     </p:spTree>
     <p:extLst>
       <p:ext uri="{BB962C8B-B14F-4D97-AF65-F5344CB8AC3E}">
-        <p14:creationId xmlns:p14="http://schemas.microsoft.com/office/powerpoint/2010/main" val="650323143"/>
+        <p14:creationId xmlns:p14="http://schemas.microsoft.com/office/powerpoint/2010/main" val="2361567515"/>
       </p:ext>
     </p:extLst>
   </p:cSld>
@@ -4187,6 +3859,501 @@
 </file>
 
 <file path=ppt/slides/slide10.xml><?xml version="1.0" encoding="utf-8"?>
+<p:sld xmlns:a="http://schemas.openxmlformats.org/drawingml/2006/main" xmlns:r="http://schemas.openxmlformats.org/officeDocument/2006/relationships" xmlns:p="http://schemas.openxmlformats.org/presentationml/2006/main">
+  <p:cSld>
+    <p:spTree>
+      <p:nvGrpSpPr>
+        <p:cNvPr id="1" name=""/>
+        <p:cNvGrpSpPr/>
+        <p:nvPr/>
+      </p:nvGrpSpPr>
+      <p:grpSpPr>
+        <a:xfrm>
+          <a:off x="0" y="0"/>
+          <a:ext cx="0" cy="0"/>
+          <a:chOff x="0" y="0"/>
+          <a:chExt cx="0" cy="0"/>
+        </a:xfrm>
+      </p:grpSpPr>
+      <p:sp>
+        <p:nvSpPr>
+          <p:cNvPr id="3" name="İçerik Yer Tutucusu 2">
+            <a:extLst>
+              <a:ext uri="{FF2B5EF4-FFF2-40B4-BE49-F238E27FC236}">
+                <a16:creationId xmlns:a16="http://schemas.microsoft.com/office/drawing/2014/main" id="{DECDE472-6716-DFE3-5981-8C1B9E95BE0D}"/>
+              </a:ext>
+            </a:extLst>
+          </p:cNvPr>
+          <p:cNvSpPr>
+            <a:spLocks noGrp="1"/>
+          </p:cNvSpPr>
+          <p:nvPr>
+            <p:ph idx="1"/>
+          </p:nvPr>
+        </p:nvSpPr>
+        <p:spPr>
+          <a:xfrm>
+            <a:off x="914399" y="667327"/>
+            <a:ext cx="6502401" cy="5523345"/>
+          </a:xfrm>
+        </p:spPr>
+        <p:txBody>
+          <a:bodyPr>
+            <a:noAutofit/>
+          </a:bodyPr>
+          <a:lstStyle/>
+          <a:p>
+            <a:r>
+              <a:rPr lang="tr-TR" sz="2000" b="0" i="0" dirty="0">
+                <a:solidFill>
+                  <a:srgbClr val="000000"/>
+                </a:solidFill>
+                <a:effectLst/>
+                <a:latin typeface="+mj-lt"/>
+              </a:rPr>
+              <a:t>Belirli bir açıda yönlendirilmiş çizgisel bir yapılandırma elamanı </a:t>
+            </a:r>
+            <a:r>
+              <a:rPr lang="tr-TR" sz="2000" b="0" i="0" dirty="0" err="1">
+                <a:solidFill>
+                  <a:srgbClr val="000000"/>
+                </a:solidFill>
+                <a:effectLst/>
+                <a:latin typeface="+mj-lt"/>
+              </a:rPr>
+              <a:t>fundus</a:t>
+            </a:r>
+            <a:r>
+              <a:rPr lang="tr-TR" sz="2000" b="0" i="0" dirty="0">
+                <a:solidFill>
+                  <a:srgbClr val="000000"/>
+                </a:solidFill>
+                <a:effectLst/>
+                <a:latin typeface="+mj-lt"/>
+              </a:rPr>
+              <a:t> içerisinde tutulamadığında bir damarı veya damarın bir kısmını yok edebilir</a:t>
+            </a:r>
+            <a:r>
+              <a:rPr lang="tr-TR" sz="2000" b="0" i="0" dirty="0">
+                <a:solidFill>
+                  <a:srgbClr val="333333"/>
+                </a:solidFill>
+                <a:effectLst/>
+                <a:latin typeface="+mj-lt"/>
+              </a:rPr>
+              <a:t>.</a:t>
+            </a:r>
+            <a:r>
+              <a:rPr lang="tr-TR" sz="2000" b="0" i="0" dirty="0">
+                <a:solidFill>
+                  <a:srgbClr val="000000"/>
+                </a:solidFill>
+                <a:effectLst/>
+                <a:latin typeface="+mj-lt"/>
+              </a:rPr>
+              <a:t> Bu problem genelde yapılandırma elemanı dikey yönlere sahip olduğunda ve yapılandırma elemanı damar genişliğinden daha büyük olduğu durumlarda ortaya çıkmıştır</a:t>
+            </a:r>
+            <a:r>
+              <a:rPr lang="tr-TR" sz="2000" b="0" i="0" dirty="0">
+                <a:solidFill>
+                  <a:srgbClr val="333333"/>
+                </a:solidFill>
+                <a:effectLst/>
+                <a:latin typeface="+mj-lt"/>
+              </a:rPr>
+              <a:t>.</a:t>
+            </a:r>
+            <a:r>
+              <a:rPr lang="tr-TR" sz="2000" b="0" i="0" dirty="0">
+                <a:solidFill>
+                  <a:srgbClr val="000000"/>
+                </a:solidFill>
+                <a:effectLst/>
+                <a:latin typeface="+mj-lt"/>
+              </a:rPr>
+              <a:t> Oysa yapılandırma elemanının yönü ile damar paralel olduğunda bir yok olma olayı meydana gelmeyecektir</a:t>
+            </a:r>
+            <a:r>
+              <a:rPr lang="tr-TR" sz="2000" b="0" i="0" dirty="0">
+                <a:solidFill>
+                  <a:srgbClr val="333333"/>
+                </a:solidFill>
+                <a:effectLst/>
+                <a:latin typeface="+mj-lt"/>
+              </a:rPr>
+              <a:t>.</a:t>
+            </a:r>
+            <a:r>
+              <a:rPr lang="tr-TR" sz="2000" b="0" i="0" dirty="0">
+                <a:solidFill>
+                  <a:srgbClr val="000000"/>
+                </a:solidFill>
+                <a:effectLst/>
+                <a:latin typeface="+mj-lt"/>
+              </a:rPr>
+              <a:t> M</a:t>
+            </a:r>
+            <a:r>
+              <a:rPr lang="tr-TR" sz="2000" b="0" i="0" dirty="0">
+                <a:solidFill>
+                  <a:srgbClr val="333333"/>
+                </a:solidFill>
+                <a:effectLst/>
+                <a:latin typeface="+mj-lt"/>
+              </a:rPr>
+              <a:t>.</a:t>
+            </a:r>
+            <a:r>
+              <a:rPr lang="tr-TR" sz="2000" b="0" i="0" dirty="0">
+                <a:solidFill>
+                  <a:srgbClr val="000000"/>
+                </a:solidFill>
+                <a:effectLst/>
+                <a:latin typeface="+mj-lt"/>
+              </a:rPr>
+              <a:t> </a:t>
+            </a:r>
+            <a:r>
+              <a:rPr lang="tr-TR" sz="2000" b="0" i="0" dirty="0" err="1">
+                <a:solidFill>
+                  <a:srgbClr val="000000"/>
+                </a:solidFill>
+                <a:effectLst/>
+                <a:latin typeface="+mj-lt"/>
+              </a:rPr>
+              <a:t>Fraz</a:t>
+            </a:r>
+            <a:r>
+              <a:rPr lang="tr-TR" sz="2000" b="0" i="0" dirty="0">
+                <a:solidFill>
+                  <a:srgbClr val="000000"/>
+                </a:solidFill>
+                <a:effectLst/>
+                <a:latin typeface="+mj-lt"/>
+              </a:rPr>
+              <a:t> vd</a:t>
+            </a:r>
+            <a:r>
+              <a:rPr lang="tr-TR" sz="2000" b="0" i="0" dirty="0">
+                <a:solidFill>
+                  <a:srgbClr val="333333"/>
+                </a:solidFill>
+                <a:effectLst/>
+                <a:latin typeface="+mj-lt"/>
+              </a:rPr>
+              <a:t>.</a:t>
+            </a:r>
+            <a:r>
+              <a:rPr lang="tr-TR" sz="2000" b="0" i="0" dirty="0">
+                <a:solidFill>
+                  <a:srgbClr val="000000"/>
+                </a:solidFill>
+                <a:effectLst/>
+                <a:latin typeface="+mj-lt"/>
+              </a:rPr>
+              <a:t> </a:t>
+            </a:r>
+            <a:r>
+              <a:rPr lang="tr-TR" sz="2000" b="0" i="0" dirty="0">
+                <a:solidFill>
+                  <a:srgbClr val="333333"/>
+                </a:solidFill>
+                <a:effectLst/>
+                <a:latin typeface="+mj-lt"/>
+              </a:rPr>
+              <a:t>,</a:t>
+            </a:r>
+            <a:r>
+              <a:rPr lang="tr-TR" sz="2000" b="0" i="0" dirty="0">
+                <a:solidFill>
+                  <a:srgbClr val="000000"/>
+                </a:solidFill>
+                <a:effectLst/>
+                <a:latin typeface="+mj-lt"/>
+              </a:rPr>
+              <a:t> bu probleme çözüm olması için 21 piksel uzunluğunda bir çizgisel yapılandırma elemanı belirlemiştir</a:t>
+            </a:r>
+            <a:r>
+              <a:rPr lang="tr-TR" sz="2000" b="0" i="0" dirty="0">
+                <a:solidFill>
+                  <a:srgbClr val="333333"/>
+                </a:solidFill>
+                <a:effectLst/>
+                <a:latin typeface="+mj-lt"/>
+              </a:rPr>
+              <a:t>.</a:t>
+            </a:r>
+            <a:r>
+              <a:rPr lang="tr-TR" sz="2000" b="0" i="0" dirty="0">
+                <a:solidFill>
+                  <a:srgbClr val="000000"/>
+                </a:solidFill>
+                <a:effectLst/>
+                <a:latin typeface="+mj-lt"/>
+              </a:rPr>
+              <a:t> Bu yapısal elemanı</a:t>
+            </a:r>
+            <a:br>
+              <a:rPr lang="tr-TR" sz="2000" dirty="0">
+                <a:latin typeface="+mj-lt"/>
+              </a:rPr>
+            </a:br>
+            <a:r>
+              <a:rPr lang="tr-TR" sz="2000" b="0" i="0" dirty="0">
+                <a:solidFill>
+                  <a:srgbClr val="000000"/>
+                </a:solidFill>
+                <a:effectLst/>
+                <a:latin typeface="+mj-lt"/>
+              </a:rPr>
+              <a:t>açılarla </a:t>
+            </a:r>
+            <a:r>
+              <a:rPr lang="tr-TR" sz="2000" b="0" i="0" dirty="0" err="1">
+                <a:solidFill>
+                  <a:srgbClr val="000000"/>
+                </a:solidFill>
+                <a:effectLst/>
+                <a:latin typeface="+mj-lt"/>
+              </a:rPr>
+              <a:t>döndermiş</a:t>
+            </a:r>
+            <a:r>
+              <a:rPr lang="tr-TR" sz="2000" b="0" i="0" dirty="0">
+                <a:solidFill>
+                  <a:srgbClr val="000000"/>
+                </a:solidFill>
+                <a:effectLst/>
+                <a:latin typeface="+mj-lt"/>
+              </a:rPr>
+              <a:t> ve en büyük çapa sahip damarı çıkarmak için bir toplam üst şapka dönüşümü kullanmıştır</a:t>
+            </a:r>
+            <a:r>
+              <a:rPr lang="tr-TR" sz="2000" b="0" i="0" dirty="0">
+                <a:solidFill>
+                  <a:srgbClr val="333333"/>
+                </a:solidFill>
+                <a:effectLst/>
+                <a:latin typeface="+mj-lt"/>
+              </a:rPr>
+              <a:t>.</a:t>
+            </a:r>
+            <a:br>
+              <a:rPr lang="tr-TR" sz="2000" dirty="0">
+                <a:latin typeface="+mj-lt"/>
+              </a:rPr>
+            </a:br>
+            <a:r>
+              <a:rPr lang="tr-TR" sz="2000" b="0" i="0" dirty="0">
+                <a:solidFill>
+                  <a:srgbClr val="000000"/>
+                </a:solidFill>
+                <a:effectLst/>
+                <a:latin typeface="+mj-lt"/>
+              </a:rPr>
+              <a:t>M</a:t>
+            </a:r>
+            <a:r>
+              <a:rPr lang="tr-TR" sz="2000" b="0" i="0" dirty="0">
+                <a:solidFill>
+                  <a:srgbClr val="333333"/>
+                </a:solidFill>
+                <a:effectLst/>
+                <a:latin typeface="+mj-lt"/>
+              </a:rPr>
+              <a:t>.</a:t>
+            </a:r>
+            <a:r>
+              <a:rPr lang="tr-TR" sz="2000" b="0" i="0" dirty="0">
+                <a:solidFill>
+                  <a:srgbClr val="000000"/>
+                </a:solidFill>
+                <a:effectLst/>
+                <a:latin typeface="+mj-lt"/>
+              </a:rPr>
+              <a:t> </a:t>
+            </a:r>
+            <a:r>
+              <a:rPr lang="tr-TR" sz="2000" b="0" i="0" dirty="0" err="1">
+                <a:solidFill>
+                  <a:srgbClr val="000000"/>
+                </a:solidFill>
+                <a:effectLst/>
+                <a:latin typeface="+mj-lt"/>
+              </a:rPr>
+              <a:t>Fraz</a:t>
+            </a:r>
+            <a:r>
+              <a:rPr lang="tr-TR" sz="2000" b="0" i="0" dirty="0">
+                <a:solidFill>
+                  <a:srgbClr val="000000"/>
+                </a:solidFill>
+                <a:effectLst/>
+                <a:latin typeface="+mj-lt"/>
+              </a:rPr>
+              <a:t> vd</a:t>
+            </a:r>
+            <a:r>
+              <a:rPr lang="tr-TR" sz="2000" b="0" i="0" dirty="0">
+                <a:solidFill>
+                  <a:srgbClr val="333333"/>
+                </a:solidFill>
+                <a:effectLst/>
+                <a:latin typeface="+mj-lt"/>
+              </a:rPr>
+              <a:t>.</a:t>
+            </a:r>
+            <a:r>
+              <a:rPr lang="tr-TR" sz="2000" b="0" i="0" dirty="0">
+                <a:solidFill>
+                  <a:srgbClr val="000000"/>
+                </a:solidFill>
+                <a:effectLst/>
+                <a:latin typeface="+mj-lt"/>
+              </a:rPr>
+              <a:t> tarafından önerilen toplam üst şapka dönüşümünden esinlenerek her biri 21 piksel uzunluğunda bir çizgiyi temsil eden ve her 22</a:t>
+            </a:r>
+            <a:r>
+              <a:rPr lang="tr-TR" sz="2000" b="0" i="0" dirty="0">
+                <a:solidFill>
+                  <a:srgbClr val="333333"/>
+                </a:solidFill>
+                <a:effectLst/>
+                <a:latin typeface="+mj-lt"/>
+              </a:rPr>
+              <a:t>.</a:t>
+            </a:r>
+            <a:r>
+              <a:rPr lang="tr-TR" sz="2000" b="0" i="0" dirty="0">
+                <a:solidFill>
+                  <a:srgbClr val="000000"/>
+                </a:solidFill>
+                <a:effectLst/>
+                <a:latin typeface="+mj-lt"/>
+              </a:rPr>
+              <a:t>5° 'de döndürülen bir çizgi yapılandırma elemanı sadece üst şapkaya değil ayrıca alt şapka ve morfolojik açma işlemine uygulanmıştır</a:t>
+            </a:r>
+            <a:r>
+              <a:rPr lang="tr-TR" sz="2000" b="0" i="0" dirty="0">
+                <a:solidFill>
+                  <a:srgbClr val="333333"/>
+                </a:solidFill>
+                <a:effectLst/>
+                <a:latin typeface="+mj-lt"/>
+              </a:rPr>
+              <a:t>.</a:t>
+            </a:r>
+            <a:r>
+              <a:rPr lang="tr-TR" sz="2000" b="0" i="0" dirty="0">
+                <a:solidFill>
+                  <a:srgbClr val="000000"/>
+                </a:solidFill>
+                <a:effectLst/>
+                <a:latin typeface="+mj-lt"/>
+              </a:rPr>
+              <a:t> Denklem</a:t>
+            </a:r>
+            <a:br>
+              <a:rPr lang="tr-TR" sz="2000" dirty="0">
+                <a:latin typeface="+mj-lt"/>
+              </a:rPr>
+            </a:br>
+            <a:r>
+              <a:rPr lang="tr-TR" sz="2000" b="0" i="0" dirty="0">
+                <a:solidFill>
+                  <a:srgbClr val="000000"/>
+                </a:solidFill>
+                <a:effectLst/>
+                <a:latin typeface="+mj-lt"/>
+              </a:rPr>
+              <a:t>’da toplam üst şapka işlemine dahil edilen toplam alt şapka ve toplam morfolojik açma işlemi matematiksel olarak ifade edilmiştir</a:t>
+            </a:r>
+            <a:r>
+              <a:rPr lang="tr-TR" sz="2000" b="0" i="0" dirty="0">
+                <a:solidFill>
+                  <a:srgbClr val="333333"/>
+                </a:solidFill>
+                <a:effectLst/>
+                <a:latin typeface="+mj-lt"/>
+              </a:rPr>
+              <a:t>.</a:t>
+            </a:r>
+            <a:r>
+              <a:rPr lang="tr-TR" sz="2000" b="0" i="0" dirty="0">
+                <a:solidFill>
+                  <a:srgbClr val="000000"/>
+                </a:solidFill>
+                <a:effectLst/>
+                <a:latin typeface="+mj-lt"/>
+              </a:rPr>
+              <a:t> Şekil 4’te bu aşamaya ait işlem sonuçları görsel olarak verilmiştir</a:t>
+            </a:r>
+            <a:r>
+              <a:rPr lang="tr-TR" sz="2000" b="0" i="0" dirty="0">
+                <a:solidFill>
+                  <a:srgbClr val="333333"/>
+                </a:solidFill>
+                <a:effectLst/>
+                <a:latin typeface="+mj-lt"/>
+              </a:rPr>
+              <a:t>.</a:t>
+            </a:r>
+            <a:endParaRPr lang="tr-TR" sz="2000" dirty="0">
+              <a:latin typeface="+mj-lt"/>
+            </a:endParaRPr>
+          </a:p>
+        </p:txBody>
+      </p:sp>
+      <p:pic>
+        <p:nvPicPr>
+          <p:cNvPr id="5" name="Resim 4">
+            <a:extLst>
+              <a:ext uri="{FF2B5EF4-FFF2-40B4-BE49-F238E27FC236}">
+                <a16:creationId xmlns:a16="http://schemas.microsoft.com/office/drawing/2014/main" id="{F4F5ACE8-B991-0805-20EB-732EFF868490}"/>
+              </a:ext>
+            </a:extLst>
+          </p:cNvPr>
+          <p:cNvPicPr>
+            <a:picLocks noChangeAspect="1"/>
+          </p:cNvPicPr>
+          <p:nvPr/>
+        </p:nvPicPr>
+        <p:blipFill>
+          <a:blip r:embed="rId2">
+            <a:extLst>
+              <a:ext uri="{28A0092B-C50C-407E-A947-70E740481C1C}">
+                <a14:useLocalDpi xmlns:a14="http://schemas.microsoft.com/office/drawing/2010/main" val="0"/>
+              </a:ext>
+            </a:extLst>
+          </a:blip>
+          <a:stretch>
+            <a:fillRect/>
+          </a:stretch>
+        </p:blipFill>
+        <p:spPr>
+          <a:xfrm>
+            <a:off x="7675161" y="1789570"/>
+            <a:ext cx="3390004" cy="3278857"/>
+          </a:xfrm>
+          <a:prstGeom prst="rect">
+            <a:avLst/>
+          </a:prstGeom>
+        </p:spPr>
+      </p:pic>
+    </p:spTree>
+    <p:extLst>
+      <p:ext uri="{BB962C8B-B14F-4D97-AF65-F5344CB8AC3E}">
+        <p14:creationId xmlns:p14="http://schemas.microsoft.com/office/powerpoint/2010/main" val="6895631"/>
+      </p:ext>
+    </p:extLst>
+  </p:cSld>
+  <p:clrMapOvr>
+    <a:masterClrMapping/>
+  </p:clrMapOvr>
+</p:sld>
+</file>
+
+<file path=ppt/slides/slide11.xml><?xml version="1.0" encoding="utf-8"?>
 <p:sld xmlns:a="http://schemas.openxmlformats.org/drawingml/2006/main" xmlns:r="http://schemas.openxmlformats.org/officeDocument/2006/relationships" xmlns:p="http://schemas.openxmlformats.org/presentationml/2006/main">
   <p:cSld>
     <p:spTree>
@@ -4398,7 +4565,7 @@
 </p:sld>
 </file>
 
-<file path=ppt/slides/slide11.xml><?xml version="1.0" encoding="utf-8"?>
+<file path=ppt/slides/slide12.xml><?xml version="1.0" encoding="utf-8"?>
 <p:sld xmlns:a="http://schemas.openxmlformats.org/drawingml/2006/main" xmlns:r="http://schemas.openxmlformats.org/officeDocument/2006/relationships" xmlns:p="http://schemas.openxmlformats.org/presentationml/2006/main">
   <p:cSld>
     <p:spTree>
@@ -4592,6 +4759,442 @@
       </p:grpSpPr>
       <p:sp>
         <p:nvSpPr>
+          <p:cNvPr id="2" name="Başlık 1">
+            <a:extLst>
+              <a:ext uri="{FF2B5EF4-FFF2-40B4-BE49-F238E27FC236}">
+                <a16:creationId xmlns:a16="http://schemas.microsoft.com/office/drawing/2014/main" id="{B78E01EB-9AA7-B8FB-35A8-09BE8325278F}"/>
+              </a:ext>
+            </a:extLst>
+          </p:cNvPr>
+          <p:cNvSpPr>
+            <a:spLocks noGrp="1"/>
+          </p:cNvSpPr>
+          <p:nvPr>
+            <p:ph type="ctrTitle"/>
+          </p:nvPr>
+        </p:nvSpPr>
+        <p:spPr>
+          <a:xfrm>
+            <a:off x="1524000" y="434466"/>
+            <a:ext cx="9144000" cy="714826"/>
+          </a:xfrm>
+        </p:spPr>
+        <p:txBody>
+          <a:bodyPr>
+            <a:normAutofit/>
+          </a:bodyPr>
+          <a:lstStyle/>
+          <a:p>
+            <a:pPr algn="l"/>
+            <a:r>
+              <a:rPr lang="tr-TR" sz="4400" dirty="0"/>
+              <a:t>GİRİŞ</a:t>
+            </a:r>
+          </a:p>
+        </p:txBody>
+      </p:sp>
+      <p:sp>
+        <p:nvSpPr>
+          <p:cNvPr id="3" name="Alt Başlık 2">
+            <a:extLst>
+              <a:ext uri="{FF2B5EF4-FFF2-40B4-BE49-F238E27FC236}">
+                <a16:creationId xmlns:a16="http://schemas.microsoft.com/office/drawing/2014/main" id="{AA122DCB-C5B0-6868-A34B-3F45B33ECFE7}"/>
+              </a:ext>
+            </a:extLst>
+          </p:cNvPr>
+          <p:cNvSpPr>
+            <a:spLocks noGrp="1"/>
+          </p:cNvSpPr>
+          <p:nvPr>
+            <p:ph type="subTitle" idx="1"/>
+          </p:nvPr>
+        </p:nvSpPr>
+        <p:spPr>
+          <a:xfrm>
+            <a:off x="1524000" y="1333850"/>
+            <a:ext cx="9264242" cy="4848836"/>
+          </a:xfrm>
+        </p:spPr>
+        <p:txBody>
+          <a:bodyPr>
+            <a:normAutofit fontScale="77500" lnSpcReduction="20000"/>
+          </a:bodyPr>
+          <a:lstStyle/>
+          <a:p>
+            <a:pPr algn="l"/>
+            <a:r>
+              <a:rPr lang="tr-TR" b="0" i="0" dirty="0">
+                <a:solidFill>
+                  <a:srgbClr val="000000"/>
+                </a:solidFill>
+                <a:effectLst/>
+                <a:latin typeface="+mj-lt"/>
+              </a:rPr>
+              <a:t>Diyabete bağlı retina bozuklukları kişilerde körlüğe sebep olan ve Diyabetik Retinopati olarak adlandırılan en önemli hastalıklardan biridir. DR hastalığının erken ve doğru teşhis edilmesi için retina damarlarının doğru bir şekilde bölütlenmesi gerekir. Literatürde retina damar bölütleme işlemi işin geleneksel yöntemler ve son zamanlarda popüler hale gelen derin öğrenme yöntemleri önerilmiştir. Derin öğrenme yöntemleri ile retina damar bölütleme sistemlerinin geliştirilmesi daha sağlam sonuçlar verir ancak donanım bağlılığı gerektirir.</a:t>
+            </a:r>
+            <a:br>
+              <a:rPr lang="tr-TR" dirty="0">
+                <a:latin typeface="+mj-lt"/>
+              </a:rPr>
+            </a:br>
+            <a:r>
+              <a:rPr lang="tr-TR" b="0" i="0" dirty="0">
+                <a:solidFill>
+                  <a:srgbClr val="000000"/>
+                </a:solidFill>
+                <a:effectLst/>
+                <a:latin typeface="+mj-lt"/>
+              </a:rPr>
+              <a:t>Ancak geleneksel yöntemler olarak adlandırılan denetimli/denetimsiz öğrenme yöntemleri , morfolojik yöntemler , uyum süzgeci gibi yöntemler daha hızlı ve daha anlaşılabilir yöntemlerdir. </a:t>
+            </a:r>
+            <a:r>
+              <a:rPr lang="tr-TR" b="0" i="0" dirty="0" err="1">
+                <a:solidFill>
+                  <a:srgbClr val="000000"/>
+                </a:solidFill>
+                <a:effectLst/>
+                <a:latin typeface="+mj-lt"/>
+              </a:rPr>
+              <a:t>Soares</a:t>
+            </a:r>
+            <a:r>
+              <a:rPr lang="tr-TR" b="0" i="0" dirty="0">
+                <a:solidFill>
+                  <a:srgbClr val="000000"/>
+                </a:solidFill>
+                <a:effectLst/>
+                <a:latin typeface="+mj-lt"/>
+              </a:rPr>
+              <a:t> vd. tarafından retina görüntülerinin piksel parlaklık değerleri üzerinde faklı ölçeklerde </a:t>
+            </a:r>
+            <a:r>
+              <a:rPr lang="tr-TR" b="0" i="0" dirty="0" err="1">
+                <a:solidFill>
+                  <a:srgbClr val="000000"/>
+                </a:solidFill>
+                <a:effectLst/>
+                <a:latin typeface="+mj-lt"/>
+              </a:rPr>
+              <a:t>Gabor</a:t>
+            </a:r>
+            <a:r>
+              <a:rPr lang="tr-TR" b="0" i="0" dirty="0">
+                <a:solidFill>
+                  <a:srgbClr val="000000"/>
+                </a:solidFill>
+                <a:effectLst/>
+                <a:latin typeface="+mj-lt"/>
+              </a:rPr>
+              <a:t>-Dalgacık dönüşümü uygulanmıştır. Daha sonra tüm görüntüye </a:t>
+            </a:r>
+            <a:r>
+              <a:rPr lang="tr-TR" b="0" i="0" dirty="0" err="1">
+                <a:solidFill>
+                  <a:srgbClr val="000000"/>
+                </a:solidFill>
+                <a:effectLst/>
+                <a:latin typeface="+mj-lt"/>
+              </a:rPr>
+              <a:t>Bayes</a:t>
+            </a:r>
+            <a:r>
+              <a:rPr lang="tr-TR" b="0" i="0" dirty="0">
+                <a:solidFill>
+                  <a:srgbClr val="000000"/>
+                </a:solidFill>
+                <a:effectLst/>
+                <a:latin typeface="+mj-lt"/>
+              </a:rPr>
+              <a:t> Sınıflandırıcı uygulanarak </a:t>
+            </a:r>
+            <a:r>
+              <a:rPr lang="tr-TR" b="0" i="0" dirty="0" err="1">
+                <a:solidFill>
+                  <a:srgbClr val="000000"/>
+                </a:solidFill>
+                <a:effectLst/>
+                <a:latin typeface="+mj-lt"/>
+              </a:rPr>
+              <a:t>fundus</a:t>
+            </a:r>
+            <a:r>
+              <a:rPr lang="tr-TR" b="0" i="0" dirty="0">
+                <a:solidFill>
+                  <a:srgbClr val="000000"/>
+                </a:solidFill>
+                <a:effectLst/>
+                <a:latin typeface="+mj-lt"/>
+              </a:rPr>
+              <a:t> görüntüleri damar ya da damar olmayan bölgelere ayrılmıştır. </a:t>
+            </a:r>
+            <a:r>
+              <a:rPr lang="tr-TR" b="0" i="0" dirty="0" err="1">
+                <a:solidFill>
+                  <a:srgbClr val="000000"/>
+                </a:solidFill>
+                <a:effectLst/>
+                <a:latin typeface="+mj-lt"/>
+              </a:rPr>
+              <a:t>Niemeijer</a:t>
+            </a:r>
+            <a:r>
+              <a:rPr lang="tr-TR" b="0" i="0" dirty="0">
+                <a:solidFill>
+                  <a:srgbClr val="000000"/>
+                </a:solidFill>
+                <a:effectLst/>
+                <a:latin typeface="+mj-lt"/>
+              </a:rPr>
+              <a:t> vd</a:t>
+            </a:r>
+            <a:r>
+              <a:rPr lang="tr-TR" b="0" i="0" dirty="0">
+                <a:solidFill>
+                  <a:srgbClr val="333333"/>
+                </a:solidFill>
+                <a:effectLst/>
+                <a:latin typeface="+mj-lt"/>
+              </a:rPr>
+              <a:t>.</a:t>
+            </a:r>
+            <a:r>
+              <a:rPr lang="tr-TR" b="0" i="0" dirty="0">
+                <a:solidFill>
+                  <a:srgbClr val="000000"/>
+                </a:solidFill>
+                <a:effectLst/>
+                <a:latin typeface="+mj-lt"/>
+              </a:rPr>
+              <a:t> piksel sınıflandırma yöntemini önermişlerdir</a:t>
+            </a:r>
+            <a:r>
+              <a:rPr lang="tr-TR" b="0" i="0" dirty="0">
+                <a:solidFill>
+                  <a:srgbClr val="333333"/>
+                </a:solidFill>
+                <a:effectLst/>
+                <a:latin typeface="+mj-lt"/>
+              </a:rPr>
+              <a:t>.</a:t>
+            </a:r>
+            <a:r>
+              <a:rPr lang="tr-TR" b="0" i="0" dirty="0">
+                <a:solidFill>
+                  <a:srgbClr val="000000"/>
+                </a:solidFill>
+                <a:effectLst/>
+                <a:latin typeface="+mj-lt"/>
+              </a:rPr>
+              <a:t> Diego </a:t>
+            </a:r>
+            <a:r>
+              <a:rPr lang="tr-TR" b="0" i="0" dirty="0" err="1">
+                <a:solidFill>
+                  <a:srgbClr val="000000"/>
+                </a:solidFill>
+                <a:effectLst/>
+                <a:latin typeface="+mj-lt"/>
+              </a:rPr>
+              <a:t>Marín</a:t>
+            </a:r>
+            <a:r>
+              <a:rPr lang="tr-TR" b="0" i="0" dirty="0">
+                <a:solidFill>
+                  <a:srgbClr val="000000"/>
+                </a:solidFill>
+                <a:effectLst/>
+                <a:latin typeface="+mj-lt"/>
+              </a:rPr>
+              <a:t> vd. tarafından </a:t>
+            </a:r>
+            <a:r>
+              <a:rPr lang="tr-TR" b="0" i="0" dirty="0" err="1">
+                <a:solidFill>
+                  <a:srgbClr val="000000"/>
+                </a:solidFill>
+                <a:effectLst/>
+                <a:latin typeface="+mj-lt"/>
+              </a:rPr>
+              <a:t>fundus</a:t>
+            </a:r>
+            <a:r>
+              <a:rPr lang="tr-TR" b="0" i="0" dirty="0">
+                <a:solidFill>
+                  <a:srgbClr val="000000"/>
+                </a:solidFill>
+                <a:effectLst/>
+                <a:latin typeface="+mj-lt"/>
+              </a:rPr>
+              <a:t> görüntüsündeki her pikselden yedi boyutlu bir özellik vektörü çıkarılmıştır.</a:t>
+            </a:r>
+            <a:br>
+              <a:rPr lang="tr-TR" dirty="0">
+                <a:latin typeface="+mj-lt"/>
+              </a:rPr>
+            </a:br>
+            <a:r>
+              <a:rPr lang="tr-TR" b="0" i="0" dirty="0">
+                <a:solidFill>
+                  <a:srgbClr val="000000"/>
+                </a:solidFill>
+                <a:effectLst/>
+                <a:latin typeface="+mj-lt"/>
+              </a:rPr>
+              <a:t>Çıkarılan özellikler sinir ağı kullanılarak sınıflandırılmıştır.</a:t>
+            </a:r>
+            <a:br>
+              <a:rPr lang="tr-TR" dirty="0">
+                <a:latin typeface="+mj-lt"/>
+              </a:rPr>
+            </a:br>
+            <a:r>
+              <a:rPr lang="tr-TR" b="0" i="0" dirty="0">
+                <a:solidFill>
+                  <a:srgbClr val="000000"/>
+                </a:solidFill>
+                <a:effectLst/>
+                <a:latin typeface="+mj-lt"/>
+              </a:rPr>
+              <a:t>Sınıflandırma aşamasında öncelikle tespit edilen piksellerin boşlukları doldurulmuş, daha sonra hatalı tespit edilen damar pikselleri damar olmayan olarak yeniden sınıflandırılmıştır. M. Elena Martinez-Perez vd. tarafından </a:t>
+            </a:r>
+            <a:r>
+              <a:rPr lang="tr-TR" b="0" i="0" dirty="0" err="1">
+                <a:solidFill>
+                  <a:srgbClr val="000000"/>
+                </a:solidFill>
+                <a:effectLst/>
+                <a:latin typeface="+mj-lt"/>
+              </a:rPr>
+              <a:t>hessian</a:t>
+            </a:r>
+            <a:r>
+              <a:rPr lang="tr-TR" b="0" i="0" dirty="0">
+                <a:solidFill>
+                  <a:srgbClr val="000000"/>
+                </a:solidFill>
+                <a:effectLst/>
+                <a:latin typeface="+mj-lt"/>
+              </a:rPr>
+              <a:t> matrisinin özdeğer analizine dayanan bir çizgi geliştirme filtresi önerilmiştir. Daha sonra gradyan büyüklüğü ve temel eğrilik kullanılarak özellik çıkarılmıştır. </a:t>
+            </a:r>
+            <a:r>
+              <a:rPr lang="tr-TR" b="0" i="0" dirty="0" err="1">
+                <a:solidFill>
+                  <a:srgbClr val="000000"/>
+                </a:solidFill>
+                <a:effectLst/>
+                <a:latin typeface="+mj-lt"/>
+              </a:rPr>
+              <a:t>Sven</a:t>
+            </a:r>
+            <a:r>
+              <a:rPr lang="tr-TR" b="0" i="0" dirty="0">
+                <a:solidFill>
+                  <a:srgbClr val="000000"/>
+                </a:solidFill>
+                <a:effectLst/>
+                <a:latin typeface="+mj-lt"/>
+              </a:rPr>
+              <a:t> </a:t>
+            </a:r>
+            <a:r>
+              <a:rPr lang="tr-TR" b="0" i="0" dirty="0" err="1">
+                <a:solidFill>
+                  <a:srgbClr val="000000"/>
+                </a:solidFill>
+                <a:effectLst/>
+                <a:latin typeface="+mj-lt"/>
+              </a:rPr>
+              <a:t>Holm</a:t>
+            </a:r>
+            <a:r>
+              <a:rPr lang="tr-TR" b="0" i="0" dirty="0">
+                <a:solidFill>
+                  <a:srgbClr val="000000"/>
+                </a:solidFill>
+                <a:effectLst/>
+                <a:latin typeface="+mj-lt"/>
+              </a:rPr>
+              <a:t> vd. tarafından damar bölütleme için iki paralel yöntem önerilmiştir. Bu yöntemlerden ilki sadece </a:t>
+            </a:r>
+            <a:r>
+              <a:rPr lang="tr-TR" b="0" i="0" dirty="0" err="1">
+                <a:solidFill>
+                  <a:srgbClr val="000000"/>
+                </a:solidFill>
+                <a:effectLst/>
+                <a:latin typeface="+mj-lt"/>
+              </a:rPr>
+              <a:t>fundus</a:t>
+            </a:r>
+            <a:r>
+              <a:rPr lang="tr-TR" b="0" i="0" dirty="0">
+                <a:solidFill>
+                  <a:srgbClr val="000000"/>
+                </a:solidFill>
+                <a:effectLst/>
+                <a:latin typeface="+mj-lt"/>
+              </a:rPr>
+              <a:t> görüntünün piksel yoğunluğunu kullanarak damar ve damar olmayan pikselleri bölütlere ayırmaktadır. İkinci yöntem ise tamamen damar yoğunluğunu kullanarak </a:t>
+            </a:r>
+            <a:r>
+              <a:rPr lang="tr-TR" b="0" i="0" dirty="0" err="1">
+                <a:solidFill>
+                  <a:srgbClr val="000000"/>
+                </a:solidFill>
+                <a:effectLst/>
+                <a:latin typeface="+mj-lt"/>
+              </a:rPr>
+              <a:t>fundus</a:t>
+            </a:r>
+            <a:r>
+              <a:rPr lang="tr-TR" b="0" i="0" dirty="0">
+                <a:solidFill>
+                  <a:srgbClr val="000000"/>
+                </a:solidFill>
+                <a:effectLst/>
+                <a:latin typeface="+mj-lt"/>
+              </a:rPr>
+              <a:t> görüntülerinde yerel gürültüyü azaltıp damar bölütlemeyi sağlayan birkaç adımdan oluşmaktadır.</a:t>
+            </a:r>
+            <a:endParaRPr lang="tr-TR" dirty="0">
+              <a:latin typeface="+mj-lt"/>
+            </a:endParaRPr>
+          </a:p>
+        </p:txBody>
+      </p:sp>
+    </p:spTree>
+    <p:extLst>
+      <p:ext uri="{BB962C8B-B14F-4D97-AF65-F5344CB8AC3E}">
+        <p14:creationId xmlns:p14="http://schemas.microsoft.com/office/powerpoint/2010/main" val="650323143"/>
+      </p:ext>
+    </p:extLst>
+  </p:cSld>
+  <p:clrMapOvr>
+    <a:masterClrMapping/>
+  </p:clrMapOvr>
+</p:sld>
+</file>
+
+<file path=ppt/slides/slide3.xml><?xml version="1.0" encoding="utf-8"?>
+<p:sld xmlns:a="http://schemas.openxmlformats.org/drawingml/2006/main" xmlns:r="http://schemas.openxmlformats.org/officeDocument/2006/relationships" xmlns:p="http://schemas.openxmlformats.org/presentationml/2006/main">
+  <p:cSld>
+    <p:spTree>
+      <p:nvGrpSpPr>
+        <p:cNvPr id="1" name=""/>
+        <p:cNvGrpSpPr/>
+        <p:nvPr/>
+      </p:nvGrpSpPr>
+      <p:grpSpPr>
+        <a:xfrm>
+          <a:off x="0" y="0"/>
+          <a:ext cx="0" cy="0"/>
+          <a:chOff x="0" y="0"/>
+          <a:chExt cx="0" cy="0"/>
+        </a:xfrm>
+      </p:grpSpPr>
+      <p:sp>
+        <p:nvSpPr>
           <p:cNvPr id="3" name="İçerik Yer Tutucusu 2">
             <a:extLst>
               <a:ext uri="{FF2B5EF4-FFF2-40B4-BE49-F238E27FC236}">
@@ -4797,7 +5400,7 @@
 </p:sld>
 </file>
 
-<file path=ppt/slides/slide3.xml><?xml version="1.0" encoding="utf-8"?>
+<file path=ppt/slides/slide4.xml><?xml version="1.0" encoding="utf-8"?>
 <p:sld xmlns:a="http://schemas.openxmlformats.org/drawingml/2006/main" xmlns:r="http://schemas.openxmlformats.org/officeDocument/2006/relationships" xmlns:p="http://schemas.openxmlformats.org/presentationml/2006/main">
   <p:cSld>
     <p:spTree>
@@ -5003,7 +5606,7 @@
 </p:sld>
 </file>
 
-<file path=ppt/slides/slide4.xml><?xml version="1.0" encoding="utf-8"?>
+<file path=ppt/slides/slide5.xml><?xml version="1.0" encoding="utf-8"?>
 <p:sld xmlns:a="http://schemas.openxmlformats.org/drawingml/2006/main" xmlns:r="http://schemas.openxmlformats.org/officeDocument/2006/relationships" xmlns:p="http://schemas.openxmlformats.org/presentationml/2006/main">
   <p:cSld>
     <p:spTree>
@@ -5234,7 +5837,7 @@
 </p:sld>
 </file>
 
-<file path=ppt/slides/slide5.xml><?xml version="1.0" encoding="utf-8"?>
+<file path=ppt/slides/slide6.xml><?xml version="1.0" encoding="utf-8"?>
 <p:sld xmlns:a="http://schemas.openxmlformats.org/drawingml/2006/main" xmlns:r="http://schemas.openxmlformats.org/officeDocument/2006/relationships" xmlns:p="http://schemas.openxmlformats.org/presentationml/2006/main">
   <p:cSld>
     <p:spTree>
@@ -5415,7 +6018,7 @@
 </p:sld>
 </file>
 
-<file path=ppt/slides/slide6.xml><?xml version="1.0" encoding="utf-8"?>
+<file path=ppt/slides/slide7.xml><?xml version="1.0" encoding="utf-8"?>
 <p:sld xmlns:a="http://schemas.openxmlformats.org/drawingml/2006/main" xmlns:r="http://schemas.openxmlformats.org/officeDocument/2006/relationships" xmlns:p="http://schemas.openxmlformats.org/presentationml/2006/main">
   <p:cSld>
     <p:spTree>
@@ -5608,7 +6211,7 @@
 </p:sld>
 </file>
 
-<file path=ppt/slides/slide7.xml><?xml version="1.0" encoding="utf-8"?>
+<file path=ppt/slides/slide8.xml><?xml version="1.0" encoding="utf-8"?>
 <p:sld xmlns:a="http://schemas.openxmlformats.org/drawingml/2006/main" xmlns:r="http://schemas.openxmlformats.org/officeDocument/2006/relationships" xmlns:p="http://schemas.openxmlformats.org/presentationml/2006/main">
   <p:cSld>
     <p:spTree>
@@ -5805,7 +6408,7 @@
 </p:sld>
 </file>
 
-<file path=ppt/slides/slide8.xml><?xml version="1.0" encoding="utf-8"?>
+<file path=ppt/slides/slide9.xml><?xml version="1.0" encoding="utf-8"?>
 <p:sld xmlns:a="http://schemas.openxmlformats.org/drawingml/2006/main" xmlns:r="http://schemas.openxmlformats.org/officeDocument/2006/relationships" xmlns:p="http://schemas.openxmlformats.org/presentationml/2006/main">
   <p:cSld>
     <p:spTree>
@@ -5971,501 +6574,6 @@
     <p:extLst>
       <p:ext uri="{BB962C8B-B14F-4D97-AF65-F5344CB8AC3E}">
         <p14:creationId xmlns:p14="http://schemas.microsoft.com/office/powerpoint/2010/main" val="1861480012"/>
-      </p:ext>
-    </p:extLst>
-  </p:cSld>
-  <p:clrMapOvr>
-    <a:masterClrMapping/>
-  </p:clrMapOvr>
-</p:sld>
-</file>
-
-<file path=ppt/slides/slide9.xml><?xml version="1.0" encoding="utf-8"?>
-<p:sld xmlns:a="http://schemas.openxmlformats.org/drawingml/2006/main" xmlns:r="http://schemas.openxmlformats.org/officeDocument/2006/relationships" xmlns:p="http://schemas.openxmlformats.org/presentationml/2006/main">
-  <p:cSld>
-    <p:spTree>
-      <p:nvGrpSpPr>
-        <p:cNvPr id="1" name=""/>
-        <p:cNvGrpSpPr/>
-        <p:nvPr/>
-      </p:nvGrpSpPr>
-      <p:grpSpPr>
-        <a:xfrm>
-          <a:off x="0" y="0"/>
-          <a:ext cx="0" cy="0"/>
-          <a:chOff x="0" y="0"/>
-          <a:chExt cx="0" cy="0"/>
-        </a:xfrm>
-      </p:grpSpPr>
-      <p:sp>
-        <p:nvSpPr>
-          <p:cNvPr id="3" name="İçerik Yer Tutucusu 2">
-            <a:extLst>
-              <a:ext uri="{FF2B5EF4-FFF2-40B4-BE49-F238E27FC236}">
-                <a16:creationId xmlns:a16="http://schemas.microsoft.com/office/drawing/2014/main" id="{DECDE472-6716-DFE3-5981-8C1B9E95BE0D}"/>
-              </a:ext>
-            </a:extLst>
-          </p:cNvPr>
-          <p:cNvSpPr>
-            <a:spLocks noGrp="1"/>
-          </p:cNvSpPr>
-          <p:nvPr>
-            <p:ph idx="1"/>
-          </p:nvPr>
-        </p:nvSpPr>
-        <p:spPr>
-          <a:xfrm>
-            <a:off x="914399" y="667327"/>
-            <a:ext cx="6502401" cy="5523345"/>
-          </a:xfrm>
-        </p:spPr>
-        <p:txBody>
-          <a:bodyPr>
-            <a:noAutofit/>
-          </a:bodyPr>
-          <a:lstStyle/>
-          <a:p>
-            <a:r>
-              <a:rPr lang="tr-TR" sz="2000" b="0" i="0" dirty="0">
-                <a:solidFill>
-                  <a:srgbClr val="000000"/>
-                </a:solidFill>
-                <a:effectLst/>
-                <a:latin typeface="+mj-lt"/>
-              </a:rPr>
-              <a:t>Belirli bir açıda yönlendirilmiş çizgisel bir yapılandırma elamanı </a:t>
-            </a:r>
-            <a:r>
-              <a:rPr lang="tr-TR" sz="2000" b="0" i="0" dirty="0" err="1">
-                <a:solidFill>
-                  <a:srgbClr val="000000"/>
-                </a:solidFill>
-                <a:effectLst/>
-                <a:latin typeface="+mj-lt"/>
-              </a:rPr>
-              <a:t>fundus</a:t>
-            </a:r>
-            <a:r>
-              <a:rPr lang="tr-TR" sz="2000" b="0" i="0" dirty="0">
-                <a:solidFill>
-                  <a:srgbClr val="000000"/>
-                </a:solidFill>
-                <a:effectLst/>
-                <a:latin typeface="+mj-lt"/>
-              </a:rPr>
-              <a:t> içerisinde tutulamadığında bir damarı veya damarın bir kısmını yok edebilir</a:t>
-            </a:r>
-            <a:r>
-              <a:rPr lang="tr-TR" sz="2000" b="0" i="0" dirty="0">
-                <a:solidFill>
-                  <a:srgbClr val="333333"/>
-                </a:solidFill>
-                <a:effectLst/>
-                <a:latin typeface="+mj-lt"/>
-              </a:rPr>
-              <a:t>.</a:t>
-            </a:r>
-            <a:r>
-              <a:rPr lang="tr-TR" sz="2000" b="0" i="0" dirty="0">
-                <a:solidFill>
-                  <a:srgbClr val="000000"/>
-                </a:solidFill>
-                <a:effectLst/>
-                <a:latin typeface="+mj-lt"/>
-              </a:rPr>
-              <a:t> Bu problem genelde yapılandırma elemanı dikey yönlere sahip olduğunda ve yapılandırma elemanı damar genişliğinden daha büyük olduğu durumlarda ortaya çıkmıştır</a:t>
-            </a:r>
-            <a:r>
-              <a:rPr lang="tr-TR" sz="2000" b="0" i="0" dirty="0">
-                <a:solidFill>
-                  <a:srgbClr val="333333"/>
-                </a:solidFill>
-                <a:effectLst/>
-                <a:latin typeface="+mj-lt"/>
-              </a:rPr>
-              <a:t>.</a:t>
-            </a:r>
-            <a:r>
-              <a:rPr lang="tr-TR" sz="2000" b="0" i="0" dirty="0">
-                <a:solidFill>
-                  <a:srgbClr val="000000"/>
-                </a:solidFill>
-                <a:effectLst/>
-                <a:latin typeface="+mj-lt"/>
-              </a:rPr>
-              <a:t> Oysa yapılandırma elemanının yönü ile damar paralel olduğunda bir yok olma olayı meydana gelmeyecektir</a:t>
-            </a:r>
-            <a:r>
-              <a:rPr lang="tr-TR" sz="2000" b="0" i="0" dirty="0">
-                <a:solidFill>
-                  <a:srgbClr val="333333"/>
-                </a:solidFill>
-                <a:effectLst/>
-                <a:latin typeface="+mj-lt"/>
-              </a:rPr>
-              <a:t>.</a:t>
-            </a:r>
-            <a:r>
-              <a:rPr lang="tr-TR" sz="2000" b="0" i="0" dirty="0">
-                <a:solidFill>
-                  <a:srgbClr val="000000"/>
-                </a:solidFill>
-                <a:effectLst/>
-                <a:latin typeface="+mj-lt"/>
-              </a:rPr>
-              <a:t> M</a:t>
-            </a:r>
-            <a:r>
-              <a:rPr lang="tr-TR" sz="2000" b="0" i="0" dirty="0">
-                <a:solidFill>
-                  <a:srgbClr val="333333"/>
-                </a:solidFill>
-                <a:effectLst/>
-                <a:latin typeface="+mj-lt"/>
-              </a:rPr>
-              <a:t>.</a:t>
-            </a:r>
-            <a:r>
-              <a:rPr lang="tr-TR" sz="2000" b="0" i="0" dirty="0">
-                <a:solidFill>
-                  <a:srgbClr val="000000"/>
-                </a:solidFill>
-                <a:effectLst/>
-                <a:latin typeface="+mj-lt"/>
-              </a:rPr>
-              <a:t> </a:t>
-            </a:r>
-            <a:r>
-              <a:rPr lang="tr-TR" sz="2000" b="0" i="0" dirty="0" err="1">
-                <a:solidFill>
-                  <a:srgbClr val="000000"/>
-                </a:solidFill>
-                <a:effectLst/>
-                <a:latin typeface="+mj-lt"/>
-              </a:rPr>
-              <a:t>Fraz</a:t>
-            </a:r>
-            <a:r>
-              <a:rPr lang="tr-TR" sz="2000" b="0" i="0" dirty="0">
-                <a:solidFill>
-                  <a:srgbClr val="000000"/>
-                </a:solidFill>
-                <a:effectLst/>
-                <a:latin typeface="+mj-lt"/>
-              </a:rPr>
-              <a:t> vd</a:t>
-            </a:r>
-            <a:r>
-              <a:rPr lang="tr-TR" sz="2000" b="0" i="0" dirty="0">
-                <a:solidFill>
-                  <a:srgbClr val="333333"/>
-                </a:solidFill>
-                <a:effectLst/>
-                <a:latin typeface="+mj-lt"/>
-              </a:rPr>
-              <a:t>.</a:t>
-            </a:r>
-            <a:r>
-              <a:rPr lang="tr-TR" sz="2000" b="0" i="0" dirty="0">
-                <a:solidFill>
-                  <a:srgbClr val="000000"/>
-                </a:solidFill>
-                <a:effectLst/>
-                <a:latin typeface="+mj-lt"/>
-              </a:rPr>
-              <a:t> </a:t>
-            </a:r>
-            <a:r>
-              <a:rPr lang="tr-TR" sz="2000" b="0" i="0" dirty="0">
-                <a:solidFill>
-                  <a:srgbClr val="333333"/>
-                </a:solidFill>
-                <a:effectLst/>
-                <a:latin typeface="+mj-lt"/>
-              </a:rPr>
-              <a:t>,</a:t>
-            </a:r>
-            <a:r>
-              <a:rPr lang="tr-TR" sz="2000" b="0" i="0" dirty="0">
-                <a:solidFill>
-                  <a:srgbClr val="000000"/>
-                </a:solidFill>
-                <a:effectLst/>
-                <a:latin typeface="+mj-lt"/>
-              </a:rPr>
-              <a:t> bu probleme çözüm olması için 21 piksel uzunluğunda bir çizgisel yapılandırma elemanı belirlemiştir</a:t>
-            </a:r>
-            <a:r>
-              <a:rPr lang="tr-TR" sz="2000" b="0" i="0" dirty="0">
-                <a:solidFill>
-                  <a:srgbClr val="333333"/>
-                </a:solidFill>
-                <a:effectLst/>
-                <a:latin typeface="+mj-lt"/>
-              </a:rPr>
-              <a:t>.</a:t>
-            </a:r>
-            <a:r>
-              <a:rPr lang="tr-TR" sz="2000" b="0" i="0" dirty="0">
-                <a:solidFill>
-                  <a:srgbClr val="000000"/>
-                </a:solidFill>
-                <a:effectLst/>
-                <a:latin typeface="+mj-lt"/>
-              </a:rPr>
-              <a:t> Bu yapısal elemanı</a:t>
-            </a:r>
-            <a:br>
-              <a:rPr lang="tr-TR" sz="2000" dirty="0">
-                <a:latin typeface="+mj-lt"/>
-              </a:rPr>
-            </a:br>
-            <a:r>
-              <a:rPr lang="tr-TR" sz="2000" b="0" i="0" dirty="0">
-                <a:solidFill>
-                  <a:srgbClr val="000000"/>
-                </a:solidFill>
-                <a:effectLst/>
-                <a:latin typeface="+mj-lt"/>
-              </a:rPr>
-              <a:t>açılarla </a:t>
-            </a:r>
-            <a:r>
-              <a:rPr lang="tr-TR" sz="2000" b="0" i="0" dirty="0" err="1">
-                <a:solidFill>
-                  <a:srgbClr val="000000"/>
-                </a:solidFill>
-                <a:effectLst/>
-                <a:latin typeface="+mj-lt"/>
-              </a:rPr>
-              <a:t>döndermiş</a:t>
-            </a:r>
-            <a:r>
-              <a:rPr lang="tr-TR" sz="2000" b="0" i="0" dirty="0">
-                <a:solidFill>
-                  <a:srgbClr val="000000"/>
-                </a:solidFill>
-                <a:effectLst/>
-                <a:latin typeface="+mj-lt"/>
-              </a:rPr>
-              <a:t> ve en büyük çapa sahip damarı çıkarmak için bir toplam üst şapka dönüşümü kullanmıştır</a:t>
-            </a:r>
-            <a:r>
-              <a:rPr lang="tr-TR" sz="2000" b="0" i="0" dirty="0">
-                <a:solidFill>
-                  <a:srgbClr val="333333"/>
-                </a:solidFill>
-                <a:effectLst/>
-                <a:latin typeface="+mj-lt"/>
-              </a:rPr>
-              <a:t>.</a:t>
-            </a:r>
-            <a:br>
-              <a:rPr lang="tr-TR" sz="2000" dirty="0">
-                <a:latin typeface="+mj-lt"/>
-              </a:rPr>
-            </a:br>
-            <a:r>
-              <a:rPr lang="tr-TR" sz="2000" b="0" i="0" dirty="0">
-                <a:solidFill>
-                  <a:srgbClr val="000000"/>
-                </a:solidFill>
-                <a:effectLst/>
-                <a:latin typeface="+mj-lt"/>
-              </a:rPr>
-              <a:t>M</a:t>
-            </a:r>
-            <a:r>
-              <a:rPr lang="tr-TR" sz="2000" b="0" i="0" dirty="0">
-                <a:solidFill>
-                  <a:srgbClr val="333333"/>
-                </a:solidFill>
-                <a:effectLst/>
-                <a:latin typeface="+mj-lt"/>
-              </a:rPr>
-              <a:t>.</a:t>
-            </a:r>
-            <a:r>
-              <a:rPr lang="tr-TR" sz="2000" b="0" i="0" dirty="0">
-                <a:solidFill>
-                  <a:srgbClr val="000000"/>
-                </a:solidFill>
-                <a:effectLst/>
-                <a:latin typeface="+mj-lt"/>
-              </a:rPr>
-              <a:t> </a:t>
-            </a:r>
-            <a:r>
-              <a:rPr lang="tr-TR" sz="2000" b="0" i="0" dirty="0" err="1">
-                <a:solidFill>
-                  <a:srgbClr val="000000"/>
-                </a:solidFill>
-                <a:effectLst/>
-                <a:latin typeface="+mj-lt"/>
-              </a:rPr>
-              <a:t>Fraz</a:t>
-            </a:r>
-            <a:r>
-              <a:rPr lang="tr-TR" sz="2000" b="0" i="0" dirty="0">
-                <a:solidFill>
-                  <a:srgbClr val="000000"/>
-                </a:solidFill>
-                <a:effectLst/>
-                <a:latin typeface="+mj-lt"/>
-              </a:rPr>
-              <a:t> vd</a:t>
-            </a:r>
-            <a:r>
-              <a:rPr lang="tr-TR" sz="2000" b="0" i="0" dirty="0">
-                <a:solidFill>
-                  <a:srgbClr val="333333"/>
-                </a:solidFill>
-                <a:effectLst/>
-                <a:latin typeface="+mj-lt"/>
-              </a:rPr>
-              <a:t>.</a:t>
-            </a:r>
-            <a:r>
-              <a:rPr lang="tr-TR" sz="2000" b="0" i="0" dirty="0">
-                <a:solidFill>
-                  <a:srgbClr val="000000"/>
-                </a:solidFill>
-                <a:effectLst/>
-                <a:latin typeface="+mj-lt"/>
-              </a:rPr>
-              <a:t> tarafından önerilen toplam üst şapka dönüşümünden esinlenerek her biri 21 piksel uzunluğunda bir çizgiyi temsil eden ve her 22</a:t>
-            </a:r>
-            <a:r>
-              <a:rPr lang="tr-TR" sz="2000" b="0" i="0" dirty="0">
-                <a:solidFill>
-                  <a:srgbClr val="333333"/>
-                </a:solidFill>
-                <a:effectLst/>
-                <a:latin typeface="+mj-lt"/>
-              </a:rPr>
-              <a:t>.</a:t>
-            </a:r>
-            <a:r>
-              <a:rPr lang="tr-TR" sz="2000" b="0" i="0" dirty="0">
-                <a:solidFill>
-                  <a:srgbClr val="000000"/>
-                </a:solidFill>
-                <a:effectLst/>
-                <a:latin typeface="+mj-lt"/>
-              </a:rPr>
-              <a:t>5° 'de döndürülen bir çizgi yapılandırma elemanı sadece üst şapkaya değil ayrıca alt şapka ve morfolojik açma işlemine uygulanmıştır</a:t>
-            </a:r>
-            <a:r>
-              <a:rPr lang="tr-TR" sz="2000" b="0" i="0" dirty="0">
-                <a:solidFill>
-                  <a:srgbClr val="333333"/>
-                </a:solidFill>
-                <a:effectLst/>
-                <a:latin typeface="+mj-lt"/>
-              </a:rPr>
-              <a:t>.</a:t>
-            </a:r>
-            <a:r>
-              <a:rPr lang="tr-TR" sz="2000" b="0" i="0" dirty="0">
-                <a:solidFill>
-                  <a:srgbClr val="000000"/>
-                </a:solidFill>
-                <a:effectLst/>
-                <a:latin typeface="+mj-lt"/>
-              </a:rPr>
-              <a:t> Denklem</a:t>
-            </a:r>
-            <a:br>
-              <a:rPr lang="tr-TR" sz="2000" dirty="0">
-                <a:latin typeface="+mj-lt"/>
-              </a:rPr>
-            </a:br>
-            <a:r>
-              <a:rPr lang="tr-TR" sz="2000" b="0" i="0" dirty="0">
-                <a:solidFill>
-                  <a:srgbClr val="000000"/>
-                </a:solidFill>
-                <a:effectLst/>
-                <a:latin typeface="+mj-lt"/>
-              </a:rPr>
-              <a:t>’da toplam üst şapka işlemine dahil edilen toplam alt şapka ve toplam morfolojik açma işlemi matematiksel olarak ifade edilmiştir</a:t>
-            </a:r>
-            <a:r>
-              <a:rPr lang="tr-TR" sz="2000" b="0" i="0" dirty="0">
-                <a:solidFill>
-                  <a:srgbClr val="333333"/>
-                </a:solidFill>
-                <a:effectLst/>
-                <a:latin typeface="+mj-lt"/>
-              </a:rPr>
-              <a:t>.</a:t>
-            </a:r>
-            <a:r>
-              <a:rPr lang="tr-TR" sz="2000" b="0" i="0" dirty="0">
-                <a:solidFill>
-                  <a:srgbClr val="000000"/>
-                </a:solidFill>
-                <a:effectLst/>
-                <a:latin typeface="+mj-lt"/>
-              </a:rPr>
-              <a:t> Şekil 4’te bu aşamaya ait işlem sonuçları görsel olarak verilmiştir</a:t>
-            </a:r>
-            <a:r>
-              <a:rPr lang="tr-TR" sz="2000" b="0" i="0" dirty="0">
-                <a:solidFill>
-                  <a:srgbClr val="333333"/>
-                </a:solidFill>
-                <a:effectLst/>
-                <a:latin typeface="+mj-lt"/>
-              </a:rPr>
-              <a:t>.</a:t>
-            </a:r>
-            <a:endParaRPr lang="tr-TR" sz="2000" dirty="0">
-              <a:latin typeface="+mj-lt"/>
-            </a:endParaRPr>
-          </a:p>
-        </p:txBody>
-      </p:sp>
-      <p:pic>
-        <p:nvPicPr>
-          <p:cNvPr id="5" name="Resim 4">
-            <a:extLst>
-              <a:ext uri="{FF2B5EF4-FFF2-40B4-BE49-F238E27FC236}">
-                <a16:creationId xmlns:a16="http://schemas.microsoft.com/office/drawing/2014/main" id="{F4F5ACE8-B991-0805-20EB-732EFF868490}"/>
-              </a:ext>
-            </a:extLst>
-          </p:cNvPr>
-          <p:cNvPicPr>
-            <a:picLocks noChangeAspect="1"/>
-          </p:cNvPicPr>
-          <p:nvPr/>
-        </p:nvPicPr>
-        <p:blipFill>
-          <a:blip r:embed="rId2">
-            <a:extLst>
-              <a:ext uri="{28A0092B-C50C-407E-A947-70E740481C1C}">
-                <a14:useLocalDpi xmlns:a14="http://schemas.microsoft.com/office/drawing/2010/main" val="0"/>
-              </a:ext>
-            </a:extLst>
-          </a:blip>
-          <a:stretch>
-            <a:fillRect/>
-          </a:stretch>
-        </p:blipFill>
-        <p:spPr>
-          <a:xfrm>
-            <a:off x="7675161" y="1789570"/>
-            <a:ext cx="3390004" cy="3278857"/>
-          </a:xfrm>
-          <a:prstGeom prst="rect">
-            <a:avLst/>
-          </a:prstGeom>
-        </p:spPr>
-      </p:pic>
-    </p:spTree>
-    <p:extLst>
-      <p:ext uri="{BB962C8B-B14F-4D97-AF65-F5344CB8AC3E}">
-        <p14:creationId xmlns:p14="http://schemas.microsoft.com/office/powerpoint/2010/main" val="6895631"/>
       </p:ext>
     </p:extLst>
   </p:cSld>
